--- a/Lead Scoring Case Study.pptx
+++ b/Lead Scoring Case Study.pptx
@@ -3888,25 +3888,49 @@
         </p:nvSpPr>
         <p:spPr/>
         <p:txBody>
-          <a:bodyPr/>
+          <a:bodyPr>
+            <a:noAutofit/>
+          </a:bodyPr>
           <a:lstStyle/>
           <a:p>
             <a:pPr algn="r"/>
             <a:r>
-              <a:rPr lang="en-US" dirty="0"/>
+              <a:rPr lang="en-US" sz="2000" dirty="0"/>
               <a:t>By: </a:t>
             </a:r>
           </a:p>
           <a:p>
             <a:pPr algn="r"/>
             <a:r>
-              <a:rPr lang="en-US" dirty="0" err="1"/>
+              <a:rPr lang="en-US" sz="2000" dirty="0" err="1"/>
               <a:t>Thrikutam</a:t>
             </a:r>
             <a:r>
-              <a:rPr lang="en-US" dirty="0"/>
+              <a:rPr lang="en-US" sz="2000" dirty="0"/>
               <a:t> Sai Manasa</a:t>
             </a:r>
+          </a:p>
+          <a:p>
+            <a:pPr algn="r"/>
+            <a:r>
+              <a:rPr lang="en-US" sz="2000" dirty="0" err="1"/>
+              <a:t>SiddharthA</a:t>
+            </a:r>
+            <a:r>
+              <a:rPr lang="en-US" sz="2000" dirty="0"/>
+              <a:t> Ghoshal</a:t>
+            </a:r>
+          </a:p>
+          <a:p>
+            <a:pPr algn="r"/>
+            <a:r>
+              <a:rPr lang="en-US" sz="2000" dirty="0"/>
+              <a:t>Sowmya Tiwari</a:t>
+            </a:r>
+          </a:p>
+          <a:p>
+            <a:pPr algn="r"/>
+            <a:endParaRPr lang="en-US" sz="2000" dirty="0"/>
           </a:p>
         </p:txBody>
       </p:sp>
